--- a/Section00_Introduccion.pptx
+++ b/Section00_Introduccion.pptx
@@ -233,7 +233,7 @@
             <a:pPr rtl="0"/>
             <a:fld id="{FAB3E6E3-061B-41A2-BBDC-C5312A04A40A}" type="datetime1">
               <a:rPr lang="es-ES" smtClean="0"/>
-              <a:t>06/12/2022</a:t>
+              <a:t>08/12/2022</a:t>
             </a:fld>
             <a:endParaRPr lang="es-ES" dirty="0"/>
           </a:p>
@@ -403,7 +403,7 @@
             <a:pPr rtl="0"/>
             <a:fld id="{2145992C-CBBF-4F24-8325-F5CB0EAAC0E9}" type="datetime1">
               <a:rPr lang="es-ES" noProof="0" smtClean="0"/>
-              <a:t>06/12/2022</a:t>
+              <a:t>08/12/2022</a:t>
             </a:fld>
             <a:endParaRPr lang="es-ES" noProof="0" dirty="0"/>
           </a:p>
@@ -1402,7 +1402,7 @@
             <a:pPr rtl="0"/>
             <a:fld id="{95732FF5-B762-47CF-A667-C95E437C256E}" type="datetime1">
               <a:rPr lang="es-ES" noProof="0" smtClean="0"/>
-              <a:t>06/12/2022</a:t>
+              <a:t>08/12/2022</a:t>
             </a:fld>
             <a:endParaRPr lang="es-ES" noProof="0" dirty="0"/>
           </a:p>
@@ -1591,7 +1591,7 @@
             <a:pPr rtl="0"/>
             <a:fld id="{3DDDD12C-A2E5-4D32-A8D5-4FBA4A9916EE}" type="datetime1">
               <a:rPr lang="es-ES" noProof="0" smtClean="0"/>
-              <a:t>06/12/2022</a:t>
+              <a:t>08/12/2022</a:t>
             </a:fld>
             <a:endParaRPr lang="es-ES" noProof="0" dirty="0"/>
           </a:p>
@@ -1780,7 +1780,7 @@
             <a:pPr rtl="0"/>
             <a:fld id="{3DDDD12C-A2E5-4D32-A8D5-4FBA4A9916EE}" type="datetime1">
               <a:rPr lang="es-ES" noProof="0" smtClean="0"/>
-              <a:t>06/12/2022</a:t>
+              <a:t>08/12/2022</a:t>
             </a:fld>
             <a:endParaRPr lang="es-ES" noProof="0" dirty="0"/>
           </a:p>
@@ -2048,7 +2048,7 @@
             <a:pPr rtl="0"/>
             <a:fld id="{50407472-54D5-485E-8ACB-6D04E47D95CF}" type="datetime1">
               <a:rPr lang="es-ES" noProof="0" smtClean="0"/>
-              <a:t>06/12/2022</a:t>
+              <a:t>08/12/2022</a:t>
             </a:fld>
             <a:endParaRPr lang="es-ES" noProof="0" dirty="0"/>
           </a:p>
@@ -2236,7 +2236,7 @@
             <a:pPr rtl="0"/>
             <a:fld id="{3DDDD12C-A2E5-4D32-A8D5-4FBA4A9916EE}" type="datetime1">
               <a:rPr lang="es-ES" noProof="0" smtClean="0"/>
-              <a:t>06/12/2022</a:t>
+              <a:t>08/12/2022</a:t>
             </a:fld>
             <a:endParaRPr lang="es-ES" noProof="0" dirty="0"/>
           </a:p>
@@ -2491,7 +2491,7 @@
             <a:pPr rtl="0"/>
             <a:fld id="{F128A7A1-E52A-4367-BE3E-105C0C9F4921}" type="datetime1">
               <a:rPr lang="es-ES" noProof="0" smtClean="0"/>
-              <a:t>06/12/2022</a:t>
+              <a:t>08/12/2022</a:t>
             </a:fld>
             <a:endParaRPr lang="es-ES" noProof="0" dirty="0"/>
           </a:p>
@@ -2742,7 +2742,7 @@
             <a:pPr rtl="0"/>
             <a:fld id="{3DDDD12C-A2E5-4D32-A8D5-4FBA4A9916EE}" type="datetime1">
               <a:rPr lang="es-ES" noProof="0" smtClean="0"/>
-              <a:t>06/12/2022</a:t>
+              <a:t>08/12/2022</a:t>
             </a:fld>
             <a:endParaRPr lang="es-ES" noProof="0" dirty="0"/>
           </a:p>
@@ -3118,7 +3118,7 @@
             <a:pPr rtl="0"/>
             <a:fld id="{3DDDD12C-A2E5-4D32-A8D5-4FBA4A9916EE}" type="datetime1">
               <a:rPr lang="es-ES" noProof="0" smtClean="0"/>
-              <a:t>06/12/2022</a:t>
+              <a:t>08/12/2022</a:t>
             </a:fld>
             <a:endParaRPr lang="es-ES" noProof="0" dirty="0"/>
           </a:p>
@@ -3245,7 +3245,7 @@
             <a:pPr rtl="0"/>
             <a:fld id="{A3120DF6-1B4A-4B6C-B500-7840816C7764}" type="datetime1">
               <a:rPr lang="es-ES" noProof="0" smtClean="0"/>
-              <a:t>06/12/2022</a:t>
+              <a:t>08/12/2022</a:t>
             </a:fld>
             <a:endParaRPr lang="es-ES" noProof="0" dirty="0"/>
           </a:p>
@@ -3359,7 +3359,7 @@
             <a:pPr rtl="0"/>
             <a:fld id="{52134D8D-99E7-4CF1-858E-66F4FE6BE361}" type="datetime1">
               <a:rPr lang="es-ES" noProof="0" smtClean="0"/>
-              <a:t>06/12/2022</a:t>
+              <a:t>08/12/2022</a:t>
             </a:fld>
             <a:endParaRPr lang="es-ES" noProof="0" dirty="0"/>
           </a:p>
@@ -3655,7 +3655,7 @@
             <a:pPr rtl="0"/>
             <a:fld id="{3DDDD12C-A2E5-4D32-A8D5-4FBA4A9916EE}" type="datetime1">
               <a:rPr lang="es-ES" noProof="0" smtClean="0"/>
-              <a:t>06/12/2022</a:t>
+              <a:t>08/12/2022</a:t>
             </a:fld>
             <a:endParaRPr lang="es-ES" noProof="0" dirty="0"/>
           </a:p>
@@ -3921,7 +3921,7 @@
             <a:pPr rtl="0"/>
             <a:fld id="{3DDDD12C-A2E5-4D32-A8D5-4FBA4A9916EE}" type="datetime1">
               <a:rPr lang="es-ES" noProof="0" smtClean="0"/>
-              <a:t>06/12/2022</a:t>
+              <a:t>08/12/2022</a:t>
             </a:fld>
             <a:endParaRPr lang="es-ES" noProof="0" dirty="0"/>
           </a:p>
@@ -4146,7 +4146,7 @@
             <a:pPr rtl="0"/>
             <a:fld id="{3DDDD12C-A2E5-4D32-A8D5-4FBA4A9916EE}" type="datetime1">
               <a:rPr lang="es-ES" noProof="0" smtClean="0"/>
-              <a:t>06/12/2022</a:t>
+              <a:t>08/12/2022</a:t>
             </a:fld>
             <a:endParaRPr lang="es-ES" noProof="0" dirty="0"/>
           </a:p>
@@ -4579,6 +4579,58 @@
       </p:grpSpPr>
       <p:sp>
         <p:nvSpPr>
+          <p:cNvPr id="8" name="Rectángulo 7">
+            <a:extLst>
+              <a:ext uri="{FF2B5EF4-FFF2-40B4-BE49-F238E27FC236}">
+                <a16:creationId xmlns:a16="http://schemas.microsoft.com/office/drawing/2014/main" id="{A94CB888-65B7-7C45-DFA0-B9D967661C91}"/>
+              </a:ext>
+            </a:extLst>
+          </p:cNvPr>
+          <p:cNvSpPr/>
+          <p:nvPr/>
+        </p:nvSpPr>
+        <p:spPr>
+          <a:xfrm>
+            <a:off x="0" y="0"/>
+            <a:ext cx="12192000" cy="6858000"/>
+          </a:xfrm>
+          <a:prstGeom prst="rect">
+            <a:avLst/>
+          </a:prstGeom>
+          <a:solidFill>
+            <a:srgbClr val="F0F0F0"/>
+          </a:solidFill>
+          <a:ln>
+            <a:noFill/>
+          </a:ln>
+        </p:spPr>
+        <p:style>
+          <a:lnRef idx="2">
+            <a:schemeClr val="accent1">
+              <a:shade val="50000"/>
+            </a:schemeClr>
+          </a:lnRef>
+          <a:fillRef idx="1">
+            <a:schemeClr val="accent1"/>
+          </a:fillRef>
+          <a:effectRef idx="0">
+            <a:schemeClr val="accent1"/>
+          </a:effectRef>
+          <a:fontRef idx="minor">
+            <a:schemeClr val="lt1"/>
+          </a:fontRef>
+        </p:style>
+        <p:txBody>
+          <a:bodyPr rtlCol="0" anchor="ctr"/>
+          <a:lstStyle/>
+          <a:p>
+            <a:pPr algn="ctr"/>
+            <a:endParaRPr lang="en-US"/>
+          </a:p>
+        </p:txBody>
+      </p:sp>
+      <p:sp>
+        <p:nvSpPr>
           <p:cNvPr id="2" name="Título 1">
             <a:extLst>
               <a:ext uri="{FF2B5EF4-FFF2-40B4-BE49-F238E27FC236}">
@@ -4616,10 +4668,10 @@
       </p:sp>
       <p:grpSp>
         <p:nvGrpSpPr>
-          <p:cNvPr id="4" name="Group 3">
+          <p:cNvPr id="9" name="Grupo 8">
             <a:extLst>
               <a:ext uri="{FF2B5EF4-FFF2-40B4-BE49-F238E27FC236}">
-                <a16:creationId xmlns:a16="http://schemas.microsoft.com/office/drawing/2014/main" id="{75763AFD-ACB0-D007-9045-1446594414B7}"/>
+                <a16:creationId xmlns:a16="http://schemas.microsoft.com/office/drawing/2014/main" id="{B8DCA7D6-FE19-574F-CAFC-26B5AE8298C9}"/>
               </a:ext>
             </a:extLst>
           </p:cNvPr>
@@ -4630,8 +4682,8 @@
           <a:xfrm>
             <a:off x="720000" y="5598000"/>
             <a:ext cx="4680000" cy="540000"/>
-            <a:chOff x="1024800" y="5598000"/>
-            <a:chExt cx="4528936" cy="540000"/>
+            <a:chOff x="720000" y="5598000"/>
+            <a:chExt cx="4680000" cy="540000"/>
           </a:xfrm>
         </p:grpSpPr>
         <p:sp>
@@ -4648,8 +4700,8 @@
           </p:nvSpPr>
           <p:spPr>
             <a:xfrm>
-              <a:off x="1024800" y="5598000"/>
-              <a:ext cx="594000" cy="540000"/>
+              <a:off x="720000" y="5598000"/>
+              <a:ext cx="613813" cy="540000"/>
             </a:xfrm>
             <a:prstGeom prst="roundRect">
               <a:avLst/>
@@ -4700,8 +4752,8 @@
           </p:nvSpPr>
           <p:spPr>
             <a:xfrm>
-              <a:off x="1233736" y="5598000"/>
-              <a:ext cx="4320000" cy="540000"/>
+              <a:off x="935905" y="5598000"/>
+              <a:ext cx="4464095" cy="540000"/>
             </a:xfrm>
             <a:prstGeom prst="rect">
               <a:avLst/>
@@ -4749,6 +4801,53 @@
           </p:txBody>
         </p:sp>
       </p:grpSp>
+      <p:pic>
+        <p:nvPicPr>
+          <p:cNvPr id="1028" name="Picture 4">
+            <a:extLst>
+              <a:ext uri="{FF2B5EF4-FFF2-40B4-BE49-F238E27FC236}">
+                <a16:creationId xmlns:a16="http://schemas.microsoft.com/office/drawing/2014/main" id="{8950439F-F3C6-B9D2-C143-C78265A0EDD6}"/>
+              </a:ext>
+            </a:extLst>
+          </p:cNvPr>
+          <p:cNvPicPr>
+            <a:picLocks noChangeAspect="1" noChangeArrowheads="1"/>
+          </p:cNvPicPr>
+          <p:nvPr/>
+        </p:nvPicPr>
+        <p:blipFill>
+          <a:blip r:embed="rId3">
+            <a:extLst>
+              <a:ext uri="{28A0092B-C50C-407E-A947-70E740481C1C}">
+                <a14:useLocalDpi xmlns:a14="http://schemas.microsoft.com/office/drawing/2010/main" val="0"/>
+              </a:ext>
+            </a:extLst>
+          </a:blip>
+          <a:srcRect/>
+          <a:stretch>
+            <a:fillRect/>
+          </a:stretch>
+        </p:blipFill>
+        <p:spPr bwMode="auto">
+          <a:xfrm>
+            <a:off x="5410200" y="2743200"/>
+            <a:ext cx="1371600" cy="1371600"/>
+          </a:xfrm>
+          <a:prstGeom prst="rect">
+            <a:avLst/>
+          </a:prstGeom>
+          <a:noFill/>
+          <a:extLst>
+            <a:ext uri="{909E8E84-426E-40DD-AFC4-6F175D3DCCD1}">
+              <a14:hiddenFill xmlns:a14="http://schemas.microsoft.com/office/drawing/2010/main">
+                <a:solidFill>
+                  <a:srgbClr val="FFFFFF"/>
+                </a:solidFill>
+              </a14:hiddenFill>
+            </a:ext>
+          </a:extLst>
+        </p:spPr>
+      </p:pic>
     </p:spTree>
     <p:extLst>
       <p:ext uri="{BB962C8B-B14F-4D97-AF65-F5344CB8AC3E}">
@@ -4777,6 +4876,14 @@
 <file path=ppt/slides/slide2.xml><?xml version="1.0" encoding="utf-8"?>
 <p:sld xmlns:a="http://schemas.openxmlformats.org/drawingml/2006/main" xmlns:r="http://schemas.openxmlformats.org/officeDocument/2006/relationships" xmlns:p="http://schemas.openxmlformats.org/presentationml/2006/main">
   <p:cSld>
+    <p:bg>
+      <p:bgPr>
+        <a:solidFill>
+          <a:srgbClr val="F0F0F0"/>
+        </a:solidFill>
+        <a:effectLst/>
+      </p:bgPr>
+    </p:bg>
     <p:spTree>
       <p:nvGrpSpPr>
         <p:cNvPr id="1" name=""/>
@@ -6784,66 +6891,6 @@
 </file>
 
 <file path=customXml/item1.xml><?xml version="1.0" encoding="utf-8"?>
-<p:properties xmlns:p="http://schemas.microsoft.com/office/2006/metadata/properties" xmlns:xsi="http://www.w3.org/2001/XMLSchema-instance" xmlns:pc="http://schemas.microsoft.com/office/infopath/2007/PartnerControls">
-  <documentManagement>
-    <NotebookType xmlns="bf3e1746-bde1-4d6e-9c3f-7182572f7502" xsi:nil="true"/>
-    <CultureName xmlns="bf3e1746-bde1-4d6e-9c3f-7182572f7502" xsi:nil="true"/>
-    <Students xmlns="bf3e1746-bde1-4d6e-9c3f-7182572f7502">
-      <UserInfo>
-        <DisplayName/>
-        <AccountId xsi:nil="true"/>
-        <AccountType/>
-      </UserInfo>
-    </Students>
-    <Distribution_Groups xmlns="bf3e1746-bde1-4d6e-9c3f-7182572f7502" xsi:nil="true"/>
-    <FolderType xmlns="bf3e1746-bde1-4d6e-9c3f-7182572f7502" xsi:nil="true"/>
-    <Student_Groups xmlns="bf3e1746-bde1-4d6e-9c3f-7182572f7502">
-      <UserInfo>
-        <DisplayName/>
-        <AccountId xsi:nil="true"/>
-        <AccountType/>
-      </UserInfo>
-    </Student_Groups>
-    <Self_Registration_Enabled xmlns="bf3e1746-bde1-4d6e-9c3f-7182572f7502" xsi:nil="true"/>
-    <TeamsChannelId xmlns="bf3e1746-bde1-4d6e-9c3f-7182572f7502" xsi:nil="true"/>
-    <IsNotebookLocked xmlns="bf3e1746-bde1-4d6e-9c3f-7182572f7502" xsi:nil="true"/>
-    <DefaultSectionNames xmlns="bf3e1746-bde1-4d6e-9c3f-7182572f7502" xsi:nil="true"/>
-    <Is_Collaboration_Space_Locked xmlns="bf3e1746-bde1-4d6e-9c3f-7182572f7502" xsi:nil="true"/>
-    <Invited_Teachers xmlns="bf3e1746-bde1-4d6e-9c3f-7182572f7502" xsi:nil="true"/>
-    <Math_Settings xmlns="bf3e1746-bde1-4d6e-9c3f-7182572f7502" xsi:nil="true"/>
-    <Templates xmlns="bf3e1746-bde1-4d6e-9c3f-7182572f7502" xsi:nil="true"/>
-    <Has_Teacher_Only_SectionGroup xmlns="bf3e1746-bde1-4d6e-9c3f-7182572f7502" xsi:nil="true"/>
-    <AppVersion xmlns="bf3e1746-bde1-4d6e-9c3f-7182572f7502" xsi:nil="true"/>
-    <Invited_Students xmlns="bf3e1746-bde1-4d6e-9c3f-7182572f7502" xsi:nil="true"/>
-    <Owner xmlns="bf3e1746-bde1-4d6e-9c3f-7182572f7502">
-      <UserInfo>
-        <DisplayName/>
-        <AccountId xsi:nil="true"/>
-        <AccountType/>
-      </UserInfo>
-    </Owner>
-    <Teachers xmlns="bf3e1746-bde1-4d6e-9c3f-7182572f7502">
-      <UserInfo>
-        <DisplayName/>
-        <AccountId xsi:nil="true"/>
-        <AccountType/>
-      </UserInfo>
-    </Teachers>
-    <LMS_Mappings xmlns="bf3e1746-bde1-4d6e-9c3f-7182572f7502" xsi:nil="true"/>
-  </documentManagement>
-</p:properties>
-</file>
-
-<file path=customXml/item2.xml><?xml version="1.0" encoding="utf-8"?>
-<?mso-contentType ?>
-<FormTemplates xmlns="http://schemas.microsoft.com/sharepoint/v3/contenttype/forms">
-  <Display>DocumentLibraryForm</Display>
-  <Edit>DocumentLibraryForm</Edit>
-  <New>DocumentLibraryForm</New>
-</FormTemplates>
-</file>
-
-<file path=customXml/item3.xml><?xml version="1.0" encoding="utf-8"?>
 <ct:contentTypeSchema xmlns:ct="http://schemas.microsoft.com/office/2006/metadata/contentType" xmlns:ma="http://schemas.microsoft.com/office/2006/metadata/properties/metaAttributes" ct:_="" ma:_="" ma:contentTypeName="Document" ma:contentTypeID="0x010100C089011499791B4EB69D0A56FFA67F2B" ma:contentTypeVersion="30" ma:contentTypeDescription="Create a new document." ma:contentTypeScope="" ma:versionID="f76dc847e91b26043a9f85409c9c8da8">
   <xsd:schema xmlns:xsd="http://www.w3.org/2001/XMLSchema" xmlns:xs="http://www.w3.org/2001/XMLSchema" xmlns:p="http://schemas.microsoft.com/office/2006/metadata/properties" xmlns:ns3="bf3e1746-bde1-4d6e-9c3f-7182572f7502" xmlns:ns4="14224164-2045-4b51-92bb-313d0f626d83" targetNamespace="http://schemas.microsoft.com/office/2006/metadata/properties" ma:root="true" ma:fieldsID="e77e75136ac7a83ebab10a30c2d6fe6c" ns3:_="" ns4:_="">
     <xsd:import namespace="bf3e1746-bde1-4d6e-9c3f-7182572f7502"/>
@@ -7234,25 +7281,67 @@
 </ct:contentTypeSchema>
 </file>
 
-<file path=customXml/itemProps1.xml><?xml version="1.0" encoding="utf-8"?>
-<ds:datastoreItem xmlns:ds="http://schemas.openxmlformats.org/officeDocument/2006/customXml" ds:itemID="{DEDD01B8-816B-49B7-8C81-03AB51D87C54}">
-  <ds:schemaRefs>
-    <ds:schemaRef ds:uri="http://schemas.microsoft.com/office/2006/metadata/properties"/>
-    <ds:schemaRef ds:uri="http://schemas.microsoft.com/office/infopath/2007/PartnerControls"/>
-    <ds:schemaRef ds:uri="bf3e1746-bde1-4d6e-9c3f-7182572f7502"/>
-  </ds:schemaRefs>
-</ds:datastoreItem>
+<file path=customXml/item2.xml><?xml version="1.0" encoding="utf-8"?>
+<?mso-contentType ?>
+<FormTemplates xmlns="http://schemas.microsoft.com/sharepoint/v3/contenttype/forms">
+  <Display>DocumentLibraryForm</Display>
+  <Edit>DocumentLibraryForm</Edit>
+  <New>DocumentLibraryForm</New>
+</FormTemplates>
 </file>
 
-<file path=customXml/itemProps2.xml><?xml version="1.0" encoding="utf-8"?>
-<ds:datastoreItem xmlns:ds="http://schemas.openxmlformats.org/officeDocument/2006/customXml" ds:itemID="{B024FD56-CE1B-42FC-9E83-BFBF160724C6}">
-  <ds:schemaRefs>
-    <ds:schemaRef ds:uri="http://schemas.microsoft.com/sharepoint/v3/contenttype/forms"/>
-  </ds:schemaRefs>
-</ds:datastoreItem>
+<file path=customXml/item3.xml><?xml version="1.0" encoding="utf-8"?>
+<p:properties xmlns:p="http://schemas.microsoft.com/office/2006/metadata/properties" xmlns:xsi="http://www.w3.org/2001/XMLSchema-instance" xmlns:pc="http://schemas.microsoft.com/office/infopath/2007/PartnerControls">
+  <documentManagement>
+    <NotebookType xmlns="bf3e1746-bde1-4d6e-9c3f-7182572f7502" xsi:nil="true"/>
+    <CultureName xmlns="bf3e1746-bde1-4d6e-9c3f-7182572f7502" xsi:nil="true"/>
+    <Students xmlns="bf3e1746-bde1-4d6e-9c3f-7182572f7502">
+      <UserInfo>
+        <DisplayName/>
+        <AccountId xsi:nil="true"/>
+        <AccountType/>
+      </UserInfo>
+    </Students>
+    <Distribution_Groups xmlns="bf3e1746-bde1-4d6e-9c3f-7182572f7502" xsi:nil="true"/>
+    <FolderType xmlns="bf3e1746-bde1-4d6e-9c3f-7182572f7502" xsi:nil="true"/>
+    <Student_Groups xmlns="bf3e1746-bde1-4d6e-9c3f-7182572f7502">
+      <UserInfo>
+        <DisplayName/>
+        <AccountId xsi:nil="true"/>
+        <AccountType/>
+      </UserInfo>
+    </Student_Groups>
+    <Self_Registration_Enabled xmlns="bf3e1746-bde1-4d6e-9c3f-7182572f7502" xsi:nil="true"/>
+    <TeamsChannelId xmlns="bf3e1746-bde1-4d6e-9c3f-7182572f7502" xsi:nil="true"/>
+    <IsNotebookLocked xmlns="bf3e1746-bde1-4d6e-9c3f-7182572f7502" xsi:nil="true"/>
+    <DefaultSectionNames xmlns="bf3e1746-bde1-4d6e-9c3f-7182572f7502" xsi:nil="true"/>
+    <Is_Collaboration_Space_Locked xmlns="bf3e1746-bde1-4d6e-9c3f-7182572f7502" xsi:nil="true"/>
+    <Invited_Teachers xmlns="bf3e1746-bde1-4d6e-9c3f-7182572f7502" xsi:nil="true"/>
+    <Math_Settings xmlns="bf3e1746-bde1-4d6e-9c3f-7182572f7502" xsi:nil="true"/>
+    <Templates xmlns="bf3e1746-bde1-4d6e-9c3f-7182572f7502" xsi:nil="true"/>
+    <Has_Teacher_Only_SectionGroup xmlns="bf3e1746-bde1-4d6e-9c3f-7182572f7502" xsi:nil="true"/>
+    <AppVersion xmlns="bf3e1746-bde1-4d6e-9c3f-7182572f7502" xsi:nil="true"/>
+    <Invited_Students xmlns="bf3e1746-bde1-4d6e-9c3f-7182572f7502" xsi:nil="true"/>
+    <Owner xmlns="bf3e1746-bde1-4d6e-9c3f-7182572f7502">
+      <UserInfo>
+        <DisplayName/>
+        <AccountId xsi:nil="true"/>
+        <AccountType/>
+      </UserInfo>
+    </Owner>
+    <Teachers xmlns="bf3e1746-bde1-4d6e-9c3f-7182572f7502">
+      <UserInfo>
+        <DisplayName/>
+        <AccountId xsi:nil="true"/>
+        <AccountType/>
+      </UserInfo>
+    </Teachers>
+    <LMS_Mappings xmlns="bf3e1746-bde1-4d6e-9c3f-7182572f7502" xsi:nil="true"/>
+  </documentManagement>
+</p:properties>
 </file>
 
-<file path=customXml/itemProps3.xml><?xml version="1.0" encoding="utf-8"?>
+<file path=customXml/itemProps1.xml><?xml version="1.0" encoding="utf-8"?>
 <ds:datastoreItem xmlns:ds="http://schemas.openxmlformats.org/officeDocument/2006/customXml" ds:itemID="{A129B439-51BE-4A7D-9272-FBD057297E66}">
   <ds:schemaRefs>
     <ds:schemaRef ds:uri="http://schemas.microsoft.com/office/2006/metadata/contentType"/>
@@ -7269,4 +7358,22 @@
     <ds:schemaRef ds:uri="http://schemas.microsoft.com/internal/obd"/>
   </ds:schemaRefs>
 </ds:datastoreItem>
+</file>
+
+<file path=customXml/itemProps2.xml><?xml version="1.0" encoding="utf-8"?>
+<ds:datastoreItem xmlns:ds="http://schemas.openxmlformats.org/officeDocument/2006/customXml" ds:itemID="{B024FD56-CE1B-42FC-9E83-BFBF160724C6}">
+  <ds:schemaRefs>
+    <ds:schemaRef ds:uri="http://schemas.microsoft.com/sharepoint/v3/contenttype/forms"/>
+  </ds:schemaRefs>
+</ds:datastoreItem>
+</file>
+
+<file path=customXml/itemProps3.xml><?xml version="1.0" encoding="utf-8"?>
+<ds:datastoreItem xmlns:ds="http://schemas.openxmlformats.org/officeDocument/2006/customXml" ds:itemID="{DEDD01B8-816B-49B7-8C81-03AB51D87C54}">
+  <ds:schemaRefs>
+    <ds:schemaRef ds:uri="http://schemas.microsoft.com/office/2006/metadata/properties"/>
+    <ds:schemaRef ds:uri="http://schemas.microsoft.com/office/infopath/2007/PartnerControls"/>
+    <ds:schemaRef ds:uri="bf3e1746-bde1-4d6e-9c3f-7182572f7502"/>
+  </ds:schemaRefs>
+</ds:datastoreItem>
 </file>